--- a/Lab4/lab5.pptx
+++ b/Lab4/lab5.pptx
@@ -262,6 +262,11 @@
       </a:defRPr>
     </a:lvl9pPr>
   </p:defaultTextStyle>
+  <p:extLst>
+    <p:ext uri="{EFAFB233-063F-42B5-8137-9DF3F51BA10A}">
+      <p15:sldGuideLst xmlns:p15="http://schemas.microsoft.com/office/powerpoint/2012/main"/>
+    </p:ext>
+  </p:extLst>
 </p:presentation>
 </file>
 
@@ -4674,8 +4679,8 @@
         </p:nvSpPr>
         <p:spPr>
           <a:xfrm>
-            <a:off x="2363892" y="1573143"/>
-            <a:ext cx="5222904" cy="923330"/>
+            <a:off x="2386334" y="1573143"/>
+            <a:ext cx="5178021" cy="923330"/>
           </a:xfrm>
           <a:prstGeom prst="rect">
             <a:avLst/>
@@ -4695,7 +4700,7 @@
           <a:p>
             <a:pPr algn="ctr"/>
             <a:r>
-              <a:rPr lang="es-ES" sz="5400" b="1" cap="all" spc="0" dirty="0">
+              <a:rPr lang="es-ES" sz="5400" b="1" cap="all" spc="0">
                 <a:ln w="9000" cmpd="sng">
                   <a:solidFill>
                     <a:schemeClr val="accent4">
@@ -4713,28 +4718,7 @@
                 </a:effectLst>
                 <a:latin typeface="Barlow" panose="020B0604020202020204" charset="0"/>
               </a:rPr>
-              <a:t>Laboratorio </a:t>
-            </a:r>
-            <a:r>
-              <a:rPr lang="es-ES" sz="5400" b="1" cap="all" dirty="0">
-                <a:ln w="9000" cmpd="sng">
-                  <a:solidFill>
-                    <a:schemeClr val="accent4">
-                      <a:shade val="50000"/>
-                      <a:satMod val="120000"/>
-                    </a:schemeClr>
-                  </a:solidFill>
-                  <a:prstDash val="solid"/>
-                </a:ln>
-                <a:solidFill>
-                  <a:srgbClr val="FFB000"/>
-                </a:solidFill>
-                <a:effectLst>
-                  <a:reflection blurRad="12700" stA="28000" endPos="45000" dist="1000" dir="5400000" sy="-100000" algn="bl" rotWithShape="0"/>
-                </a:effectLst>
-                <a:latin typeface="Barlow" panose="020B0604020202020204" charset="0"/>
-              </a:rPr>
-              <a:t>4</a:t>
+              <a:t>Laboratorio 5</a:t>
             </a:r>
             <a:endParaRPr lang="es-ES" sz="5400" b="1" cap="all" spc="0" dirty="0">
               <a:ln w="9000" cmpd="sng">
